--- a/OTA - Final Project/Summary.pptx
+++ b/OTA - Final Project/Summary.pptx
@@ -1758,7 +1758,31 @@
                   </a:solidFill>
                   <a:cs typeface="Arial" pitchFamily="34" charset="0"/>
                 </a:rPr>
-                <a:t>Receive Data from file to bass to parser</a:t>
+                <a:t>Receive Data from file to </a:t>
+              </a:r>
+              <a:r>
+                <a:rPr lang="en-US" altLang="ko-KR" sz="1200">
+                  <a:solidFill>
+                    <a:schemeClr val="tx1">
+                      <a:lumMod val="75000"/>
+                      <a:lumOff val="25000"/>
+                    </a:schemeClr>
+                  </a:solidFill>
+                  <a:cs typeface="Arial" pitchFamily="34" charset="0"/>
+                </a:rPr>
+                <a:t>pass it </a:t>
+              </a:r>
+              <a:r>
+                <a:rPr lang="en-US" altLang="ko-KR" sz="1200" dirty="0">
+                  <a:solidFill>
+                    <a:schemeClr val="tx1">
+                      <a:lumMod val="75000"/>
+                      <a:lumOff val="25000"/>
+                    </a:schemeClr>
+                  </a:solidFill>
+                  <a:cs typeface="Arial" pitchFamily="34" charset="0"/>
+                </a:rPr>
+                <a:t>to parser</a:t>
               </a:r>
               <a:endParaRPr lang="ko-KR" altLang="en-US" sz="1200" dirty="0">
                 <a:solidFill>
